--- a/презентация_проект.pptx
+++ b/презентация_проект.pptx
@@ -15,7 +15,7 @@
     <p:sldId id="257" r:id="rId4"/>
     <p:sldId id="258" r:id="rId5"/>
     <p:sldId id="265" r:id="rId6"/>
-    <p:sldId id="260" r:id="rId7"/>
+    <p:sldId id="269" r:id="rId7"/>
   </p:sldIdLst>
   <p:sldSz cx="12192000" cy="6858000"/>
   <p:notesSz cx="6858000" cy="9144000"/>
@@ -648,54 +648,6 @@
 </p:notesMaster>
 </file>
 
-<file path=ppt/notesSlides/notesSlide1.xml><?xml version="1.0" encoding="utf-8"?>
-<p:notes xmlns:a="http://schemas.openxmlformats.org/drawingml/2006/main" xmlns:r="http://schemas.openxmlformats.org/officeDocument/2006/relationships" xmlns:p="http://schemas.openxmlformats.org/presentationml/2006/main">
-  <p:cSld>
-    <p:spTree>
-      <p:nvGrpSpPr>
-        <p:cNvPr id="1" name=""/>
-        <p:cNvGrpSpPr/>
-        <p:nvPr/>
-      </p:nvGrpSpPr>
-      <p:grpSpPr/>
-      <p:sp>
-        <p:nvSpPr>
-          <p:cNvPr id="2" name="Замещающий образ слайда 1"/>
-          <p:cNvSpPr>
-            <a:spLocks noGrp="1"/>
-          </p:cNvSpPr>
-          <p:nvPr>
-            <p:ph type="sldImg" idx="2"/>
-          </p:nvPr>
-        </p:nvSpPr>
-        <p:spPr/>
-      </p:sp>
-      <p:sp>
-        <p:nvSpPr>
-          <p:cNvPr id="3" name="Замещающий текст 2"/>
-          <p:cNvSpPr>
-            <a:spLocks noGrp="1"/>
-          </p:cNvSpPr>
-          <p:nvPr>
-            <p:ph type="body" idx="3"/>
-          </p:nvPr>
-        </p:nvSpPr>
-        <p:spPr/>
-        <p:txBody>
-          <a:bodyPr/>
-          <a:p>
-            <a:endParaRPr lang="ru-RU" altLang="en-US"/>
-          </a:p>
-        </p:txBody>
-      </p:sp>
-    </p:spTree>
-  </p:cSld>
-  <p:clrMapOvr>
-    <a:masterClrMapping/>
-  </p:clrMapOvr>
-</p:notes>
-</file>
-
 <file path=ppt/slideLayouts/slideLayout1.xml><?xml version="1.0" encoding="utf-8"?>
 <p:sldLayout xmlns:a="http://schemas.openxmlformats.org/drawingml/2006/main" xmlns:r="http://schemas.openxmlformats.org/officeDocument/2006/relationships" xmlns:p="http://schemas.openxmlformats.org/presentationml/2006/main" type="title" preserve="1">
   <p:cSld name="Title slide">
@@ -1430,6 +1382,173 @@
 </p:sldLayout>
 </file>
 
+<file path=ppt/slideLayouts/slideLayout5.xml><?xml version="1.0" encoding="utf-8"?>
+<p:sldLayout xmlns:a="http://schemas.openxmlformats.org/drawingml/2006/main" xmlns:r="http://schemas.openxmlformats.org/officeDocument/2006/relationships" xmlns:p="http://schemas.openxmlformats.org/presentationml/2006/main" type="tx" preserve="1">
+  <p:cSld name="Заголовок и текст">
+    <p:spTree>
+      <p:nvGrpSpPr>
+        <p:cNvPr id="1" name=""/>
+        <p:cNvGrpSpPr/>
+        <p:nvPr/>
+      </p:nvGrpSpPr>
+      <p:grpSpPr>
+        <a:xfrm>
+          <a:off x="0" y="0"/>
+          <a:ext cx="0" cy="0"/>
+          <a:chOff x="0" y="0"/>
+          <a:chExt cx="0" cy="0"/>
+        </a:xfrm>
+      </p:grpSpPr>
+      <p:sp>
+        <p:nvSpPr>
+          <p:cNvPr id="2" name="Заголовок 1"/>
+          <p:cNvSpPr>
+            <a:spLocks noGrp="1"/>
+          </p:cNvSpPr>
+          <p:nvPr>
+            <p:ph type="title"/>
+          </p:nvPr>
+        </p:nvSpPr>
+        <p:spPr/>
+        <p:txBody>
+          <a:bodyPr/>
+          <a:lstStyle/>
+          <a:p>
+            <a:r>
+              <a:rPr lang="ru-RU" smtClean="0"/>
+              <a:t>Образец заголовка</a:t>
+            </a:r>
+            <a:endParaRPr lang="ru-RU"/>
+          </a:p>
+        </p:txBody>
+      </p:sp>
+      <p:sp>
+        <p:nvSpPr>
+          <p:cNvPr id="3" name="Текст 2"/>
+          <p:cNvSpPr>
+            <a:spLocks noGrp="1"/>
+          </p:cNvSpPr>
+          <p:nvPr>
+            <p:ph type="body" idx="1"/>
+          </p:nvPr>
+        </p:nvSpPr>
+        <p:spPr/>
+        <p:txBody>
+          <a:bodyPr/>
+          <a:lstStyle/>
+          <a:p>
+            <a:pPr lvl="0"/>
+            <a:r>
+              <a:rPr lang="ru-RU" smtClean="0"/>
+              <a:t>Образец текста</a:t>
+            </a:r>
+            <a:endParaRPr lang="ru-RU" smtClean="0"/>
+          </a:p>
+          <a:p>
+            <a:pPr lvl="1"/>
+            <a:r>
+              <a:rPr lang="ru-RU" smtClean="0"/>
+              <a:t>Второй уровень</a:t>
+            </a:r>
+            <a:endParaRPr lang="ru-RU" smtClean="0"/>
+          </a:p>
+          <a:p>
+            <a:pPr lvl="2"/>
+            <a:r>
+              <a:rPr lang="ru-RU" smtClean="0"/>
+              <a:t>Третий уровень</a:t>
+            </a:r>
+            <a:endParaRPr lang="ru-RU" smtClean="0"/>
+          </a:p>
+          <a:p>
+            <a:pPr lvl="3"/>
+            <a:r>
+              <a:rPr lang="ru-RU" smtClean="0"/>
+              <a:t>Четвертый уровень</a:t>
+            </a:r>
+            <a:endParaRPr lang="ru-RU" smtClean="0"/>
+          </a:p>
+          <a:p>
+            <a:pPr lvl="4"/>
+            <a:r>
+              <a:rPr lang="ru-RU" smtClean="0"/>
+              <a:t>Пятый уровень</a:t>
+            </a:r>
+            <a:endParaRPr lang="ru-RU"/>
+          </a:p>
+        </p:txBody>
+      </p:sp>
+      <p:sp>
+        <p:nvSpPr>
+          <p:cNvPr id="4" name="Дата 3"/>
+          <p:cNvSpPr>
+            <a:spLocks noGrp="1"/>
+          </p:cNvSpPr>
+          <p:nvPr>
+            <p:ph type="dt" sz="half" idx="10"/>
+          </p:nvPr>
+        </p:nvSpPr>
+        <p:spPr/>
+        <p:txBody>
+          <a:bodyPr/>
+          <a:lstStyle/>
+          <a:p>
+            <a:fld id="{333B265C-7EE3-42FB-A0DB-6EEF213E155E}" type="datetimeFigureOut">
+              <a:rPr lang="zh-CN" altLang="en-US" smtClean="0"/>
+            </a:fld>
+            <a:endParaRPr lang="zh-CN" altLang="en-US"/>
+          </a:p>
+        </p:txBody>
+      </p:sp>
+      <p:sp>
+        <p:nvSpPr>
+          <p:cNvPr id="5" name="Нижний колонтитул 4"/>
+          <p:cNvSpPr>
+            <a:spLocks noGrp="1"/>
+          </p:cNvSpPr>
+          <p:nvPr>
+            <p:ph type="ftr" sz="quarter" idx="11"/>
+          </p:nvPr>
+        </p:nvSpPr>
+        <p:spPr/>
+        <p:txBody>
+          <a:bodyPr/>
+          <a:lstStyle/>
+          <a:p>
+            <a:endParaRPr lang="zh-CN" altLang="en-US"/>
+          </a:p>
+        </p:txBody>
+      </p:sp>
+      <p:sp>
+        <p:nvSpPr>
+          <p:cNvPr id="6" name="Номер слайда 5"/>
+          <p:cNvSpPr>
+            <a:spLocks noGrp="1"/>
+          </p:cNvSpPr>
+          <p:nvPr>
+            <p:ph type="sldNum" sz="quarter" idx="12"/>
+          </p:nvPr>
+        </p:nvSpPr>
+        <p:spPr/>
+        <p:txBody>
+          <a:bodyPr/>
+          <a:lstStyle/>
+          <a:p>
+            <a:fld id="{FFC205B0-AD67-413D-8CB1-9851EE1363CE}" type="slidenum">
+              <a:rPr lang="zh-CN" altLang="en-US" smtClean="0"/>
+            </a:fld>
+            <a:endParaRPr lang="zh-CN" altLang="en-US"/>
+          </a:p>
+        </p:txBody>
+      </p:sp>
+    </p:spTree>
+  </p:cSld>
+  <p:clrMapOvr>
+    <a:masterClrMapping/>
+  </p:clrMapOvr>
+</p:sldLayout>
+</file>
+
 <file path=ppt/slideMasters/slideMaster1.xml><?xml version="1.0" encoding="utf-8"?>
 <p:sldMaster xmlns:a="http://schemas.openxmlformats.org/drawingml/2006/main" xmlns:r="http://schemas.openxmlformats.org/officeDocument/2006/relationships" xmlns:p="http://schemas.openxmlformats.org/presentationml/2006/main">
   <p:cSld>
@@ -1676,6 +1795,7 @@
     <p:sldLayoutId id="2147483650" r:id="rId2"/>
     <p:sldLayoutId id="2147483651" r:id="rId3"/>
     <p:sldLayoutId id="2147483652" r:id="rId4"/>
+    <p:sldLayoutId id="2147483653" r:id="rId5"/>
   </p:sldLayoutIdLst>
   <p:txStyles>
     <p:titleStyle>
@@ -5400,17 +5520,10 @@
         <p:cNvGrpSpPr/>
         <p:nvPr/>
       </p:nvGrpSpPr>
-      <p:grpSpPr>
-        <a:xfrm>
-          <a:off x="0" y="0"/>
-          <a:ext cx="0" cy="0"/>
-          <a:chOff x="0" y="0"/>
-          <a:chExt cx="0" cy="0"/>
-        </a:xfrm>
-      </p:grpSpPr>
-      <p:sp>
-        <p:nvSpPr>
-          <p:cNvPr id="4" name="标题 3"/>
+      <p:grpSpPr/>
+      <p:sp>
+        <p:nvSpPr>
+          <p:cNvPr id="4" name="Заголовок 3"/>
           <p:cNvSpPr>
             <a:spLocks noGrp="1"/>
           </p:cNvSpPr>
@@ -5421,606 +5534,34 @@
         <p:spPr/>
         <p:txBody>
           <a:bodyPr/>
-          <a:lstStyle/>
-          <a:p>
-            <a:r>
-              <a:rPr lang="en-US" altLang="zh-CN" dirty="0" smtClean="0"/>
-              <a:t>YOUR  TITLE  HERE</a:t>
-            </a:r>
-            <a:endParaRPr lang="zh-CN" altLang="en-US" dirty="0"/>
-          </a:p>
-        </p:txBody>
-      </p:sp>
-      <p:sp>
-        <p:nvSpPr>
-          <p:cNvPr id="3" name="矩形 2"/>
-          <p:cNvSpPr/>
-          <p:nvPr/>
-        </p:nvSpPr>
-        <p:spPr>
-          <a:xfrm>
-            <a:off x="1653458" y="3019722"/>
-            <a:ext cx="2045085" cy="2461260"/>
-          </a:xfrm>
-          <a:prstGeom prst="rect">
-            <a:avLst/>
-          </a:prstGeom>
-        </p:spPr>
-        <p:txBody>
-          <a:bodyPr wrap="square">
-            <a:spAutoFit/>
-          </a:bodyPr>
-          <a:lstStyle/>
-          <a:p>
-            <a:r>
-              <a:rPr lang="zh-CN" altLang="en-US" sz="1400" dirty="0">
-                <a:solidFill>
-                  <a:srgbClr val="603813"/>
-                </a:solidFill>
-              </a:rPr>
-              <a:t>Vestibulum ante ipsum primis in faucibus orci luctus et ultrices posuere cubilia Curae; Donec velit neque, auctor sit amet aliquam vel, ullamcorper sit amet ligula. Nulla quis lorem ut libero malesuada feugiat. Vestibulum ac diam sit amet quam vehicula</a:t>
-            </a:r>
-            <a:endParaRPr lang="zh-CN" altLang="en-US" sz="1400" dirty="0">
-              <a:solidFill>
-                <a:srgbClr val="603813"/>
-              </a:solidFill>
-            </a:endParaRPr>
-          </a:p>
-        </p:txBody>
-      </p:sp>
-      <p:sp>
-        <p:nvSpPr>
-          <p:cNvPr id="5" name="矩形 4"/>
-          <p:cNvSpPr/>
-          <p:nvPr/>
-        </p:nvSpPr>
-        <p:spPr>
-          <a:xfrm>
-            <a:off x="1653458" y="2650390"/>
-            <a:ext cx="1810270" cy="369332"/>
-          </a:xfrm>
-          <a:prstGeom prst="rect">
-            <a:avLst/>
-          </a:prstGeom>
-          <a:noFill/>
-        </p:spPr>
-        <p:txBody>
-          <a:bodyPr wrap="square">
-            <a:spAutoFit/>
-          </a:bodyPr>
-          <a:lstStyle/>
-          <a:p>
-            <a:r>
-              <a:rPr lang="zh-CN" altLang="en-US" dirty="0" smtClean="0">
-                <a:solidFill>
-                  <a:srgbClr val="603813"/>
-                </a:solidFill>
-              </a:rPr>
-              <a:t>ADD YOUR TEXT</a:t>
-            </a:r>
-            <a:endParaRPr lang="zh-CN" altLang="en-US" dirty="0">
-              <a:solidFill>
-                <a:srgbClr val="603813"/>
-              </a:solidFill>
-            </a:endParaRPr>
-          </a:p>
-        </p:txBody>
-      </p:sp>
-      <p:sp>
-        <p:nvSpPr>
-          <p:cNvPr id="6" name="矩形 5"/>
-          <p:cNvSpPr/>
-          <p:nvPr/>
-        </p:nvSpPr>
-        <p:spPr>
-          <a:xfrm>
-            <a:off x="7112000" y="2969672"/>
-            <a:ext cx="3537166" cy="523220"/>
-          </a:xfrm>
-          <a:prstGeom prst="rect">
-            <a:avLst/>
-          </a:prstGeom>
-        </p:spPr>
-        <p:txBody>
-          <a:bodyPr wrap="square">
-            <a:spAutoFit/>
-          </a:bodyPr>
-          <a:lstStyle/>
-          <a:p>
-            <a:r>
-              <a:rPr lang="zh-CN" altLang="en-US" sz="1400" dirty="0">
-                <a:solidFill>
-                  <a:srgbClr val="603813"/>
-                </a:solidFill>
-              </a:rPr>
-              <a:t>Vestibulum ante ipsum primis in faucibus orci luctus et ultrices posuere </a:t>
-            </a:r>
-            <a:r>
-              <a:rPr lang="zh-CN" altLang="en-US" sz="1400" dirty="0" smtClean="0">
-                <a:solidFill>
-                  <a:srgbClr val="603813"/>
-                </a:solidFill>
-              </a:rPr>
-              <a:t>cubilia</a:t>
-            </a:r>
-            <a:r>
-              <a:rPr lang="en-US" altLang="zh-CN" sz="1400" dirty="0" smtClean="0">
-                <a:solidFill>
-                  <a:srgbClr val="603813"/>
-                </a:solidFill>
-              </a:rPr>
-              <a:t>.</a:t>
-            </a:r>
-            <a:endParaRPr lang="zh-CN" altLang="en-US" sz="1400" dirty="0">
-              <a:solidFill>
-                <a:srgbClr val="603813"/>
-              </a:solidFill>
-            </a:endParaRPr>
-          </a:p>
-        </p:txBody>
-      </p:sp>
-      <p:sp>
-        <p:nvSpPr>
-          <p:cNvPr id="9" name="矩形 8"/>
-          <p:cNvSpPr/>
-          <p:nvPr/>
-        </p:nvSpPr>
-        <p:spPr>
-          <a:xfrm>
-            <a:off x="7112000" y="2701588"/>
-            <a:ext cx="1810270" cy="369332"/>
-          </a:xfrm>
-          <a:prstGeom prst="rect">
-            <a:avLst/>
-          </a:prstGeom>
-          <a:noFill/>
-        </p:spPr>
-        <p:txBody>
-          <a:bodyPr wrap="square">
-            <a:spAutoFit/>
-          </a:bodyPr>
-          <a:lstStyle/>
-          <a:p>
-            <a:r>
-              <a:rPr lang="zh-CN" altLang="en-US" dirty="0" smtClean="0">
-                <a:solidFill>
-                  <a:srgbClr val="603813"/>
-                </a:solidFill>
-              </a:rPr>
-              <a:t>ADD YOUR TEXT</a:t>
-            </a:r>
-            <a:endParaRPr lang="zh-CN" altLang="en-US" dirty="0">
-              <a:solidFill>
-                <a:srgbClr val="603813"/>
-              </a:solidFill>
-            </a:endParaRPr>
-          </a:p>
-        </p:txBody>
-      </p:sp>
-      <p:sp>
-        <p:nvSpPr>
-          <p:cNvPr id="22" name="矩形 21"/>
-          <p:cNvSpPr/>
-          <p:nvPr/>
-        </p:nvSpPr>
-        <p:spPr>
-          <a:xfrm>
-            <a:off x="7112000" y="4043136"/>
-            <a:ext cx="3537166" cy="523220"/>
-          </a:xfrm>
-          <a:prstGeom prst="rect">
-            <a:avLst/>
-          </a:prstGeom>
-        </p:spPr>
-        <p:txBody>
-          <a:bodyPr wrap="square">
-            <a:spAutoFit/>
-          </a:bodyPr>
-          <a:lstStyle/>
-          <a:p>
-            <a:r>
-              <a:rPr lang="zh-CN" altLang="en-US" sz="1400" dirty="0">
-                <a:solidFill>
-                  <a:srgbClr val="603813"/>
-                </a:solidFill>
-              </a:rPr>
-              <a:t>Vestibulum ante ipsum primis in faucibus orci luctus et ultrices posuere </a:t>
-            </a:r>
-            <a:r>
-              <a:rPr lang="zh-CN" altLang="en-US" sz="1400" dirty="0" smtClean="0">
-                <a:solidFill>
-                  <a:srgbClr val="603813"/>
-                </a:solidFill>
-              </a:rPr>
-              <a:t>cubilia</a:t>
-            </a:r>
-            <a:r>
-              <a:rPr lang="en-US" altLang="zh-CN" sz="1400" dirty="0" smtClean="0">
-                <a:solidFill>
-                  <a:srgbClr val="603813"/>
-                </a:solidFill>
-              </a:rPr>
-              <a:t>.</a:t>
-            </a:r>
-            <a:endParaRPr lang="zh-CN" altLang="en-US" sz="1400" dirty="0">
-              <a:solidFill>
-                <a:srgbClr val="603813"/>
-              </a:solidFill>
-            </a:endParaRPr>
-          </a:p>
-        </p:txBody>
-      </p:sp>
-      <p:sp>
-        <p:nvSpPr>
-          <p:cNvPr id="23" name="矩形 22"/>
-          <p:cNvSpPr/>
-          <p:nvPr/>
-        </p:nvSpPr>
-        <p:spPr>
-          <a:xfrm>
-            <a:off x="7112000" y="3775052"/>
-            <a:ext cx="1810270" cy="369332"/>
-          </a:xfrm>
-          <a:prstGeom prst="rect">
-            <a:avLst/>
-          </a:prstGeom>
-          <a:noFill/>
-        </p:spPr>
-        <p:txBody>
-          <a:bodyPr wrap="square">
-            <a:spAutoFit/>
-          </a:bodyPr>
-          <a:lstStyle/>
-          <a:p>
-            <a:r>
-              <a:rPr lang="zh-CN" altLang="en-US" dirty="0" smtClean="0">
-                <a:solidFill>
-                  <a:srgbClr val="603813"/>
-                </a:solidFill>
-              </a:rPr>
-              <a:t>ADD YOUR TEXT</a:t>
-            </a:r>
-            <a:endParaRPr lang="zh-CN" altLang="en-US" dirty="0">
-              <a:solidFill>
-                <a:srgbClr val="603813"/>
-              </a:solidFill>
-            </a:endParaRPr>
-          </a:p>
-        </p:txBody>
-      </p:sp>
-      <p:sp>
-        <p:nvSpPr>
-          <p:cNvPr id="25" name="矩形 24"/>
-          <p:cNvSpPr/>
-          <p:nvPr/>
-        </p:nvSpPr>
-        <p:spPr>
-          <a:xfrm>
-            <a:off x="7112000" y="5092756"/>
-            <a:ext cx="3537166" cy="523220"/>
-          </a:xfrm>
-          <a:prstGeom prst="rect">
-            <a:avLst/>
-          </a:prstGeom>
-        </p:spPr>
-        <p:txBody>
-          <a:bodyPr wrap="square">
-            <a:spAutoFit/>
-          </a:bodyPr>
-          <a:lstStyle/>
-          <a:p>
-            <a:r>
-              <a:rPr lang="zh-CN" altLang="en-US" sz="1400" dirty="0">
-                <a:solidFill>
-                  <a:srgbClr val="603813"/>
-                </a:solidFill>
-              </a:rPr>
-              <a:t>Vestibulum ante ipsum primis in faucibus orci luctus et ultrices posuere </a:t>
-            </a:r>
-            <a:r>
-              <a:rPr lang="zh-CN" altLang="en-US" sz="1400" dirty="0" smtClean="0">
-                <a:solidFill>
-                  <a:srgbClr val="603813"/>
-                </a:solidFill>
-              </a:rPr>
-              <a:t>cubilia</a:t>
-            </a:r>
-            <a:r>
-              <a:rPr lang="en-US" altLang="zh-CN" sz="1400" dirty="0" smtClean="0">
-                <a:solidFill>
-                  <a:srgbClr val="603813"/>
-                </a:solidFill>
-              </a:rPr>
-              <a:t>.</a:t>
-            </a:r>
-            <a:endParaRPr lang="zh-CN" altLang="en-US" sz="1400" dirty="0">
-              <a:solidFill>
-                <a:srgbClr val="603813"/>
-              </a:solidFill>
-            </a:endParaRPr>
-          </a:p>
-        </p:txBody>
-      </p:sp>
-      <p:sp>
-        <p:nvSpPr>
-          <p:cNvPr id="26" name="矩形 25"/>
-          <p:cNvSpPr/>
-          <p:nvPr/>
-        </p:nvSpPr>
-        <p:spPr>
-          <a:xfrm>
-            <a:off x="7112000" y="4824672"/>
-            <a:ext cx="1810270" cy="369332"/>
-          </a:xfrm>
-          <a:prstGeom prst="rect">
-            <a:avLst/>
-          </a:prstGeom>
-          <a:noFill/>
-        </p:spPr>
-        <p:txBody>
-          <a:bodyPr wrap="square">
-            <a:spAutoFit/>
-          </a:bodyPr>
-          <a:lstStyle/>
-          <a:p>
-            <a:r>
-              <a:rPr lang="zh-CN" altLang="en-US" dirty="0" smtClean="0">
-                <a:solidFill>
-                  <a:srgbClr val="603813"/>
-                </a:solidFill>
-              </a:rPr>
-              <a:t>ADD YOUR TEXT</a:t>
-            </a:r>
-            <a:endParaRPr lang="zh-CN" altLang="en-US" dirty="0">
-              <a:solidFill>
-                <a:srgbClr val="603813"/>
-              </a:solidFill>
-            </a:endParaRPr>
-          </a:p>
-        </p:txBody>
-      </p:sp>
-      <p:sp>
-        <p:nvSpPr>
-          <p:cNvPr id="7" name="矩形 1"/>
-          <p:cNvSpPr/>
-          <p:nvPr/>
-        </p:nvSpPr>
-        <p:spPr>
-          <a:xfrm>
-            <a:off x="0" y="0"/>
-            <a:ext cx="6191885" cy="4249420"/>
-          </a:xfrm>
-          <a:prstGeom prst="rect">
-            <a:avLst/>
-          </a:prstGeom>
-          <a:blipFill rotWithShape="1">
-            <a:blip r:embed="rId1"/>
-            <a:stretch>
-              <a:fillRect/>
-            </a:stretch>
-          </a:blipFill>
-          <a:ln>
-            <a:noFill/>
-          </a:ln>
-        </p:spPr>
-        <p:style>
-          <a:lnRef idx="2">
-            <a:schemeClr val="accent1">
-              <a:shade val="50000"/>
-            </a:schemeClr>
-          </a:lnRef>
-          <a:fillRef idx="1">
-            <a:schemeClr val="accent1"/>
-          </a:fillRef>
-          <a:effectRef idx="0">
-            <a:schemeClr val="accent1"/>
-          </a:effectRef>
-          <a:fontRef idx="minor">
-            <a:schemeClr val="lt1"/>
-          </a:fontRef>
-        </p:style>
-        <p:txBody>
-          <a:bodyPr rtlCol="0" anchor="ctr"/>
-          <a:lstStyle/>
-          <a:p>
-            <a:pPr algn="ctr"/>
-            <a:endParaRPr lang="zh-CN" altLang="en-US"/>
-          </a:p>
-        </p:txBody>
-      </p:sp>
-      <p:sp>
-        <p:nvSpPr>
-          <p:cNvPr id="12" name="矩形 11"/>
-          <p:cNvSpPr/>
-          <p:nvPr/>
-        </p:nvSpPr>
-        <p:spPr>
-          <a:xfrm>
-            <a:off x="3810000" y="0"/>
-            <a:ext cx="8171815" cy="4443095"/>
-          </a:xfrm>
-          <a:prstGeom prst="rect">
-            <a:avLst/>
-          </a:prstGeom>
-          <a:blipFill rotWithShape="1">
-            <a:blip r:embed="rId2"/>
-            <a:stretch>
-              <a:fillRect/>
-            </a:stretch>
-          </a:blipFill>
-          <a:ln>
-            <a:noFill/>
-          </a:ln>
-        </p:spPr>
-        <p:style>
-          <a:lnRef idx="2">
-            <a:schemeClr val="accent1">
-              <a:shade val="50000"/>
-            </a:schemeClr>
-          </a:lnRef>
-          <a:fillRef idx="1">
-            <a:schemeClr val="accent1"/>
-          </a:fillRef>
-          <a:effectRef idx="0">
-            <a:schemeClr val="accent1"/>
-          </a:effectRef>
-          <a:fontRef idx="minor">
-            <a:schemeClr val="lt1"/>
-          </a:fontRef>
-        </p:style>
-        <p:txBody>
-          <a:bodyPr rtlCol="0" anchor="ctr"/>
-          <a:lstStyle/>
-          <a:p>
-            <a:pPr algn="ctr"/>
-            <a:endParaRPr lang="zh-CN" altLang="en-US"/>
-          </a:p>
-        </p:txBody>
-      </p:sp>
-      <p:sp>
-        <p:nvSpPr>
-          <p:cNvPr id="8" name="矩形 11"/>
-          <p:cNvSpPr/>
-          <p:nvPr/>
-        </p:nvSpPr>
-        <p:spPr>
-          <a:xfrm>
-            <a:off x="0" y="3210560"/>
-            <a:ext cx="6586855" cy="4598670"/>
-          </a:xfrm>
-          <a:prstGeom prst="rect">
-            <a:avLst/>
-          </a:prstGeom>
-          <a:blipFill rotWithShape="1">
-            <a:blip r:embed="rId3"/>
-            <a:stretch>
-              <a:fillRect/>
-            </a:stretch>
-          </a:blipFill>
-          <a:ln>
-            <a:noFill/>
-          </a:ln>
-        </p:spPr>
-        <p:style>
-          <a:lnRef idx="2">
-            <a:schemeClr val="accent1">
-              <a:shade val="50000"/>
-            </a:schemeClr>
-          </a:lnRef>
-          <a:fillRef idx="1">
-            <a:schemeClr val="accent1"/>
-          </a:fillRef>
-          <a:effectRef idx="0">
-            <a:schemeClr val="accent1"/>
-          </a:effectRef>
-          <a:fontRef idx="minor">
-            <a:schemeClr val="lt1"/>
-          </a:fontRef>
-        </p:style>
-        <p:txBody>
-          <a:bodyPr rtlCol="0" anchor="ctr"/>
-          <a:lstStyle/>
-          <a:p>
-            <a:pPr algn="ctr"/>
-            <a:endParaRPr lang="zh-CN" altLang="en-US"/>
-          </a:p>
-        </p:txBody>
-      </p:sp>
-      <p:sp>
-        <p:nvSpPr>
-          <p:cNvPr id="2" name="矩形 1"/>
-          <p:cNvSpPr/>
-          <p:nvPr/>
-        </p:nvSpPr>
-        <p:spPr>
-          <a:xfrm>
-            <a:off x="7974330" y="0"/>
-            <a:ext cx="7289800" cy="5072380"/>
-          </a:xfrm>
-          <a:prstGeom prst="rect">
-            <a:avLst/>
-          </a:prstGeom>
-          <a:blipFill rotWithShape="1">
-            <a:blip r:embed="rId4"/>
-            <a:stretch>
-              <a:fillRect/>
-            </a:stretch>
-          </a:blipFill>
-          <a:ln>
-            <a:noFill/>
-          </a:ln>
-        </p:spPr>
-        <p:style>
-          <a:lnRef idx="2">
-            <a:schemeClr val="accent1">
-              <a:shade val="50000"/>
-            </a:schemeClr>
-          </a:lnRef>
-          <a:fillRef idx="1">
-            <a:schemeClr val="accent1"/>
-          </a:fillRef>
-          <a:effectRef idx="0">
-            <a:schemeClr val="accent1"/>
-          </a:effectRef>
-          <a:fontRef idx="minor">
-            <a:schemeClr val="lt1"/>
-          </a:fontRef>
-        </p:style>
-        <p:txBody>
-          <a:bodyPr rtlCol="0" anchor="ctr"/>
-          <a:lstStyle/>
-          <a:p>
-            <a:pPr algn="ctr"/>
-            <a:endParaRPr lang="zh-CN" altLang="en-US"/>
-          </a:p>
-        </p:txBody>
-      </p:sp>
-      <p:sp>
-        <p:nvSpPr>
-          <p:cNvPr id="10" name="矩形 12"/>
-          <p:cNvSpPr/>
-          <p:nvPr/>
-        </p:nvSpPr>
-        <p:spPr>
-          <a:xfrm>
-            <a:off x="5502275" y="3210560"/>
-            <a:ext cx="10553065" cy="4774565"/>
-          </a:xfrm>
-          <a:prstGeom prst="rect">
-            <a:avLst/>
-          </a:prstGeom>
-          <a:blipFill rotWithShape="1">
-            <a:blip r:embed="rId5"/>
-            <a:stretch>
-              <a:fillRect/>
-            </a:stretch>
-          </a:blipFill>
-          <a:ln>
-            <a:noFill/>
-          </a:ln>
-        </p:spPr>
-        <p:style>
-          <a:lnRef idx="2">
-            <a:schemeClr val="accent1">
-              <a:shade val="50000"/>
-            </a:schemeClr>
-          </a:lnRef>
-          <a:fillRef idx="1">
-            <a:schemeClr val="accent1"/>
-          </a:fillRef>
-          <a:effectRef idx="0">
-            <a:schemeClr val="accent1"/>
-          </a:effectRef>
-          <a:fontRef idx="minor">
-            <a:schemeClr val="lt1"/>
-          </a:fontRef>
-        </p:style>
-        <p:txBody>
-          <a:bodyPr rtlCol="0" anchor="ctr"/>
-          <a:lstStyle/>
-          <a:p>
-            <a:pPr algn="ctr"/>
-            <a:endParaRPr lang="zh-CN" altLang="en-US"/>
+          <a:p>
+            <a:r>
+              <a:rPr lang="ru-RU" altLang="en-US"/>
+              <a:t>Спасибо за внимание!</a:t>
+            </a:r>
+            <a:endParaRPr lang="ru-RU" altLang="en-US"/>
+          </a:p>
+        </p:txBody>
+      </p:sp>
+      <p:sp>
+        <p:nvSpPr>
+          <p:cNvPr id="5" name="Замещающий текст 4"/>
+          <p:cNvSpPr>
+            <a:spLocks noGrp="1"/>
+          </p:cNvSpPr>
+          <p:nvPr>
+            <p:ph type="body" idx="1"/>
+          </p:nvPr>
+        </p:nvSpPr>
+        <p:spPr/>
+        <p:txBody>
+          <a:bodyPr/>
+          <a:p>
+            <a:r>
+              <a:rPr lang="ru-RU" altLang="en-US"/>
+              <a:t> </a:t>
+            </a:r>
+            <a:endParaRPr lang="ru-RU" altLang="en-US"/>
           </a:p>
         </p:txBody>
       </p:sp>
@@ -6029,13 +5570,6 @@
   <p:clrMapOvr>
     <a:masterClrMapping/>
   </p:clrMapOvr>
-  <p:timing>
-    <p:tnLst>
-      <p:par>
-        <p:cTn id="1" dur="indefinite" restart="never" nodeType="tmRoot"/>
-      </p:par>
-    </p:tnLst>
-  </p:timing>
 </p:sld>
 </file>
 
